--- a/プレゼン用.pptx
+++ b/プレゼン用.pptx
@@ -11308,7 +11308,7 @@
                 <a:latin typeface="ＭＳ ゴシック" panose="020B0609070205080204" pitchFamily="49" charset="-128"/>
                 <a:ea typeface="ＭＳ ゴシック" panose="020B0609070205080204" pitchFamily="49" charset="-128"/>
               </a:rPr>
-              <a:t>質問応答画面で制限時間前に送信した場合でも、各プレイヤーの怪しい人の理由や怪しい人が表示がされない</a:t>
+              <a:t>誰が怪しいか選択画面で制限時間前に送信した場合でも、各プレイヤーの怪しい人の理由や怪しい人が表示がされない</a:t>
             </a:r>
           </a:p>
           <a:p>
@@ -11390,7 +11390,7 @@
                 <a:latin typeface="ＭＳ ゴシック" panose="020B0609070205080204" pitchFamily="49" charset="-128"/>
                 <a:ea typeface="ＭＳ ゴシック" panose="020B0609070205080204" pitchFamily="49" charset="-128"/>
               </a:rPr>
-              <a:t>質問・弁論画面の機能不完全と全員の画面遷移問題</a:t>
+              <a:t>質問・弁論画面の機能不完全と全員の画面遷移しない問題</a:t>
             </a:r>
           </a:p>
         </p:txBody>
@@ -11590,7 +11590,7 @@
                 <a:latin typeface="ＭＳ ゴシック" panose="020B0609070205080204" pitchFamily="49" charset="-128"/>
                 <a:ea typeface="ＭＳ ゴシック" panose="020B0609070205080204" pitchFamily="49" charset="-128"/>
               </a:rPr>
-              <a:t>それぞれのキャラクターの犯人だった時のエピソードや冤罪で使った時のエピソードを追加したい</a:t>
+              <a:t>それぞれのキャラクターの犯人だった時のエピソードや間違った人が投票された後のエピソードを追加したい</a:t>
             </a:r>
             <a:endParaRPr lang="en-US" altLang="ja-JP" sz="2800" b="1" dirty="0">
               <a:solidFill>
@@ -12102,7 +12102,7 @@
                 <a:latin typeface="ＭＳ ゴシック" panose="020B0609070205080204" pitchFamily="49" charset="-128"/>
                 <a:ea typeface="ＭＳ ゴシック" panose="020B0609070205080204" pitchFamily="49" charset="-128"/>
               </a:rPr>
-              <a:t>リアルタイム同期とインタラクティブなゲーム進行を実現し、プレイヤーが没入できる本格的な推理体験を提供を目指したい</a:t>
+              <a:t>リアルタイム同期とインタラクティブなゲーム進行を実現し、プレイヤーが没入できる本格的な推理体験の提供を目指したい</a:t>
             </a:r>
             <a:endParaRPr lang="en-US" altLang="ja-JP" sz="2800" dirty="0">
               <a:solidFill>
@@ -12793,7 +12793,7 @@
                 <a:latin typeface="ＭＳ ゴシック" panose="020B0609070205080204" pitchFamily="49" charset="-128"/>
                 <a:ea typeface="ＭＳ ゴシック" panose="020B0609070205080204" pitchFamily="49" charset="-128"/>
               </a:rPr>
-              <a:t>投票結果で犯人がどのような結果になるかを言い</a:t>
+              <a:t>投票結果で犯人がどのような結果になるか</a:t>
             </a:r>
           </a:p>
           <a:p>
